--- a/doc/PC2_wing_aerodynamics_beta.pptx
+++ b/doc/PC2_wing_aerodynamics_beta.pptx
@@ -24,7 +24,7 @@
     <p:sldId id="288" r:id="rId15"/>
     <p:sldId id="289" r:id="rId16"/>
     <p:sldId id="290" r:id="rId17"/>
-    <p:sldId id="291" r:id="rId18"/>
+    <p:sldId id="305" r:id="rId18"/>
     <p:sldId id="292" r:id="rId19"/>
     <p:sldId id="294" r:id="rId20"/>
     <p:sldId id="295" r:id="rId21"/>
@@ -245,7 +245,7 @@
           <a:p>
             <a:fld id="{5EE09580-F6D5-48E2-8524-D62CE9BDA052}" type="datetimeFigureOut">
               <a:rPr lang="de-DE" smtClean="0"/>
-              <a:t>16.02.2025</a:t>
+              <a:t>25.02.2025</a:t>
             </a:fld>
             <a:endParaRPr lang="de-DE"/>
           </a:p>
@@ -663,7 +663,7 @@
           <a:p>
             <a:fld id="{76881D2E-9F7C-49DF-A1EE-46F5442D7656}" type="datetime1">
               <a:rPr lang="de-DE" smtClean="0"/>
-              <a:t>16.02.2025</a:t>
+              <a:t>25.02.2025</a:t>
             </a:fld>
             <a:endParaRPr lang="de-DE"/>
           </a:p>
@@ -877,7 +877,7 @@
           <a:p>
             <a:fld id="{3755F603-D600-4F2C-83BF-5B3078821476}" type="datetime1">
               <a:rPr lang="de-DE" smtClean="0"/>
-              <a:t>16.02.2025</a:t>
+              <a:t>25.02.2025</a:t>
             </a:fld>
             <a:endParaRPr lang="de-DE"/>
           </a:p>
@@ -1085,7 +1085,7 @@
           <a:p>
             <a:fld id="{8BB9F288-1FF1-4F20-9A6C-C6B916DC0D78}" type="datetime1">
               <a:rPr lang="de-DE" smtClean="0"/>
-              <a:t>16.02.2025</a:t>
+              <a:t>25.02.2025</a:t>
             </a:fld>
             <a:endParaRPr lang="de-DE"/>
           </a:p>
@@ -1283,7 +1283,7 @@
           <a:p>
             <a:fld id="{D2BC9E77-8621-4529-BE4A-AE77F050E8DC}" type="datetime1">
               <a:rPr lang="de-DE" smtClean="0"/>
-              <a:t>16.02.2025</a:t>
+              <a:t>25.02.2025</a:t>
             </a:fld>
             <a:endParaRPr lang="de-DE"/>
           </a:p>
@@ -1558,7 +1558,7 @@
           <a:p>
             <a:fld id="{C5ADD0BC-2AAA-421B-84BE-3BE36C130C8A}" type="datetime1">
               <a:rPr lang="de-DE" smtClean="0"/>
-              <a:t>16.02.2025</a:t>
+              <a:t>25.02.2025</a:t>
             </a:fld>
             <a:endParaRPr lang="de-DE"/>
           </a:p>
@@ -1823,7 +1823,7 @@
           <a:p>
             <a:fld id="{5526DC0B-F957-4D0B-A435-5D43E6754BCA}" type="datetime1">
               <a:rPr lang="de-DE" smtClean="0"/>
-              <a:t>16.02.2025</a:t>
+              <a:t>25.02.2025</a:t>
             </a:fld>
             <a:endParaRPr lang="de-DE"/>
           </a:p>
@@ -2235,7 +2235,7 @@
           <a:p>
             <a:fld id="{DC51FC1D-B751-4D8F-9DCC-7F2D6275CED3}" type="datetime1">
               <a:rPr lang="de-DE" smtClean="0"/>
-              <a:t>16.02.2025</a:t>
+              <a:t>25.02.2025</a:t>
             </a:fld>
             <a:endParaRPr lang="de-DE"/>
           </a:p>
@@ -2389,7 +2389,7 @@
           <a:p>
             <a:fld id="{6BDA2B4B-C046-4C8A-B694-4D94224F44C0}" type="datetime1">
               <a:rPr lang="de-DE" smtClean="0"/>
-              <a:t>16.02.2025</a:t>
+              <a:t>25.02.2025</a:t>
             </a:fld>
             <a:endParaRPr lang="de-DE"/>
           </a:p>
@@ -2518,7 +2518,7 @@
           <a:p>
             <a:fld id="{DD68DAAB-1F62-46D9-B0FC-D3ABBFC86C24}" type="datetime1">
               <a:rPr lang="de-DE" smtClean="0"/>
-              <a:t>16.02.2025</a:t>
+              <a:t>25.02.2025</a:t>
             </a:fld>
             <a:endParaRPr lang="de-DE"/>
           </a:p>
@@ -2829,7 +2829,7 @@
           <a:p>
             <a:fld id="{737C31FB-59EA-48CE-904C-A2560850C75C}" type="datetime1">
               <a:rPr lang="de-DE" smtClean="0"/>
-              <a:t>16.02.2025</a:t>
+              <a:t>25.02.2025</a:t>
             </a:fld>
             <a:endParaRPr lang="de-DE"/>
           </a:p>
@@ -3117,7 +3117,7 @@
           <a:p>
             <a:fld id="{4A3DA459-F606-4D76-9A4E-109C75710FE8}" type="datetime1">
               <a:rPr lang="de-DE" smtClean="0"/>
-              <a:t>16.02.2025</a:t>
+              <a:t>25.02.2025</a:t>
             </a:fld>
             <a:endParaRPr lang="de-DE"/>
           </a:p>
@@ -3358,7 +3358,7 @@
           <a:p>
             <a:fld id="{284DA465-63F1-402F-B974-059DCB4B3BDC}" type="datetime1">
               <a:rPr lang="de-DE" smtClean="0"/>
-              <a:t>16.02.2025</a:t>
+              <a:t>25.02.2025</a:t>
             </a:fld>
             <a:endParaRPr lang="de-DE" dirty="0"/>
           </a:p>
@@ -4340,7 +4340,7 @@
                 <a:tabLst/>
                 <a:defRPr/>
               </a:pPr>
-              <a:t>2/16/2025</a:t>
+              <a:t>2/25/2025</a:t>
             </a:fld>
             <a:endParaRPr kumimoji="0" lang="en-US" sz="1000" b="0" i="0" u="none" strike="noStrike" kern="1200" cap="none" spc="0" normalizeH="0" baseline="0" noProof="0" dirty="0">
               <a:ln>
@@ -4768,7 +4768,7 @@
           <a:p>
             <a:fld id="{C5ADD0BC-2AAA-421B-84BE-3BE36C130C8A}" type="datetime1">
               <a:rPr lang="en-US" noProof="0" smtClean="0"/>
-              <a:t>2/16/2025</a:t>
+              <a:t>2/25/2025</a:t>
             </a:fld>
             <a:endParaRPr lang="en-US" noProof="0" dirty="0"/>
           </a:p>
@@ -5151,7 +5151,7 @@
                 <a:tabLst/>
                 <a:defRPr/>
               </a:pPr>
-              <a:t>2/16/2025</a:t>
+              <a:t>2/25/2025</a:t>
             </a:fld>
             <a:endParaRPr kumimoji="0" lang="en-US" sz="1000" b="0" i="0" u="none" strike="noStrike" kern="1200" cap="none" spc="0" normalizeH="0" baseline="0" noProof="0" dirty="0">
               <a:ln>
@@ -5978,7 +5978,7 @@
                 <a:tabLst/>
                 <a:defRPr/>
               </a:pPr>
-              <a:t>2/16/2025</a:t>
+              <a:t>2/25/2025</a:t>
             </a:fld>
             <a:endParaRPr kumimoji="0" lang="en-US" sz="1000" b="0" i="0" u="none" strike="noStrike" kern="1200" cap="none" spc="0" normalizeH="0" baseline="0" noProof="0" dirty="0">
               <a:ln>
@@ -6932,7 +6932,7 @@
                 </a:solidFill>
                 <a:latin typeface="Calibre Light"/>
               </a:rPr>
-              <a:t> This allows the desired interactive approach of planform geometric design and aerodynamic assessment.</a:t>
+              <a:t>This allows the desired interactive approach of planform geometric design and aerodynamic assessment.</a:t>
             </a:r>
           </a:p>
         </p:txBody>
@@ -7009,7 +7009,7 @@
                 <a:tabLst/>
                 <a:defRPr/>
               </a:pPr>
-              <a:t>2/16/2025</a:t>
+              <a:t>2/25/2025</a:t>
             </a:fld>
             <a:endParaRPr kumimoji="0" lang="en-US" sz="1000" b="0" i="0" u="none" strike="noStrike" kern="1200" cap="none" spc="0" normalizeH="0" baseline="0" noProof="0" dirty="0">
               <a:ln>
@@ -7475,7 +7475,7 @@
           <a:p>
             <a:fld id="{C5ADD0BC-2AAA-421B-84BE-3BE36C130C8A}" type="datetime1">
               <a:rPr lang="en-US" noProof="0" smtClean="0"/>
-              <a:t>2/16/2025</a:t>
+              <a:t>2/25/2025</a:t>
             </a:fld>
             <a:endParaRPr lang="en-US" noProof="0" dirty="0"/>
           </a:p>
@@ -8105,7 +8105,7 @@
                 <a:tabLst/>
                 <a:defRPr/>
               </a:pPr>
-              <a:t>2/16/2025</a:t>
+              <a:t>2/25/2025</a:t>
             </a:fld>
             <a:endParaRPr kumimoji="0" lang="en-US" sz="1000" b="0" i="0" u="none" strike="noStrike" kern="1200" cap="none" spc="0" normalizeH="0" baseline="0" noProof="0" dirty="0">
               <a:ln>
@@ -9085,7 +9085,7 @@
         <p:cNvPr id="1" name="">
           <a:extLst>
             <a:ext uri="{FF2B5EF4-FFF2-40B4-BE49-F238E27FC236}">
-              <a16:creationId xmlns:a16="http://schemas.microsoft.com/office/drawing/2014/main" id="{5270FF5E-93E6-E3D0-4103-4FD7CC4C91E5}"/>
+              <a16:creationId xmlns:a16="http://schemas.microsoft.com/office/drawing/2014/main" id="{AA52D472-F90A-D042-7E82-E1C71192713D}"/>
             </a:ext>
           </a:extLst>
         </p:cNvPr>
@@ -9105,7 +9105,7 @@
           <p:cNvPr id="2" name="Titel 1">
             <a:extLst>
               <a:ext uri="{FF2B5EF4-FFF2-40B4-BE49-F238E27FC236}">
-                <a16:creationId xmlns:a16="http://schemas.microsoft.com/office/drawing/2014/main" id="{ABF229D8-8E84-ECFE-332B-B2ADBECF3C10}"/>
+                <a16:creationId xmlns:a16="http://schemas.microsoft.com/office/drawing/2014/main" id="{B72D2F33-2F22-1DFA-F55A-989D6D4E9AC0}"/>
               </a:ext>
             </a:extLst>
           </p:cNvPr>
@@ -9133,7 +9133,7 @@
           <p:cNvPr id="4" name="Textfeld 3">
             <a:extLst>
               <a:ext uri="{FF2B5EF4-FFF2-40B4-BE49-F238E27FC236}">
-                <a16:creationId xmlns:a16="http://schemas.microsoft.com/office/drawing/2014/main" id="{1603CB56-4F17-2938-947C-20CCF73EE302}"/>
+                <a16:creationId xmlns:a16="http://schemas.microsoft.com/office/drawing/2014/main" id="{4D8643FE-15CB-A4FB-E8C2-37D9BB6478B1}"/>
               </a:ext>
             </a:extLst>
           </p:cNvPr>
@@ -9531,7 +9531,7 @@
           <p:cNvPr id="3" name="Datumsplatzhalter 2">
             <a:extLst>
               <a:ext uri="{FF2B5EF4-FFF2-40B4-BE49-F238E27FC236}">
-                <a16:creationId xmlns:a16="http://schemas.microsoft.com/office/drawing/2014/main" id="{EBCD11C1-D81E-4488-60C3-41E1FC234797}"/>
+                <a16:creationId xmlns:a16="http://schemas.microsoft.com/office/drawing/2014/main" id="{B2E5BF13-6970-D021-8A3D-F433AE5912B4}"/>
               </a:ext>
             </a:extLst>
           </p:cNvPr>
@@ -9598,7 +9598,7 @@
                 <a:tabLst/>
                 <a:defRPr/>
               </a:pPr>
-              <a:t>2/17/2025</a:t>
+              <a:t>2/25/2025</a:t>
             </a:fld>
             <a:endParaRPr kumimoji="0" lang="en-US" sz="1000" b="0" i="0" u="none" strike="noStrike" kern="1200" cap="none" spc="0" normalizeH="0" baseline="0" noProof="0" dirty="0">
               <a:ln>
@@ -9624,7 +9624,7 @@
           <p:cNvPr id="5" name="Foliennummernplatzhalter 4">
             <a:extLst>
               <a:ext uri="{FF2B5EF4-FFF2-40B4-BE49-F238E27FC236}">
-                <a16:creationId xmlns:a16="http://schemas.microsoft.com/office/drawing/2014/main" id="{C6A71128-E22C-9D08-64C2-08ACCE83CF81}"/>
+                <a16:creationId xmlns:a16="http://schemas.microsoft.com/office/drawing/2014/main" id="{5DA25B2B-8E76-C1BA-C8CD-9BE44C467D2D}"/>
               </a:ext>
             </a:extLst>
           </p:cNvPr>
@@ -9717,7 +9717,7 @@
           <p:cNvPr id="6" name="Grafik 5">
             <a:extLst>
               <a:ext uri="{FF2B5EF4-FFF2-40B4-BE49-F238E27FC236}">
-                <a16:creationId xmlns:a16="http://schemas.microsoft.com/office/drawing/2014/main" id="{91005DCE-E7FF-A227-2705-1E062094AFC0}"/>
+                <a16:creationId xmlns:a16="http://schemas.microsoft.com/office/drawing/2014/main" id="{0C4CF85B-6474-8853-D3BA-853BCADC44D5}"/>
               </a:ext>
             </a:extLst>
           </p:cNvPr>
@@ -9747,7 +9747,7 @@
           <p:cNvPr id="8" name="Gerader Verbinder 7">
             <a:extLst>
               <a:ext uri="{FF2B5EF4-FFF2-40B4-BE49-F238E27FC236}">
-                <a16:creationId xmlns:a16="http://schemas.microsoft.com/office/drawing/2014/main" id="{7E23D645-44DA-7179-D81B-19DFD2C85924}"/>
+                <a16:creationId xmlns:a16="http://schemas.microsoft.com/office/drawing/2014/main" id="{30CB1608-DDA9-3501-889B-84D612788375}"/>
               </a:ext>
             </a:extLst>
           </p:cNvPr>
@@ -9792,7 +9792,7 @@
           <p:cNvPr id="14" name="Gerader Verbinder 13">
             <a:extLst>
               <a:ext uri="{FF2B5EF4-FFF2-40B4-BE49-F238E27FC236}">
-                <a16:creationId xmlns:a16="http://schemas.microsoft.com/office/drawing/2014/main" id="{7E9F5577-F075-E15A-5AFD-8D0A1F26BDE3}"/>
+                <a16:creationId xmlns:a16="http://schemas.microsoft.com/office/drawing/2014/main" id="{F325F316-431C-5684-CDFC-037005724C90}"/>
               </a:ext>
             </a:extLst>
           </p:cNvPr>
@@ -9835,7 +9835,7 @@
           <p:cNvPr id="16" name="Ellipse 15">
             <a:extLst>
               <a:ext uri="{FF2B5EF4-FFF2-40B4-BE49-F238E27FC236}">
-                <a16:creationId xmlns:a16="http://schemas.microsoft.com/office/drawing/2014/main" id="{D1AC4F7A-C634-AF2C-21AD-F3E025282AA5}"/>
+                <a16:creationId xmlns:a16="http://schemas.microsoft.com/office/drawing/2014/main" id="{BD9CE623-8D4F-F5EE-C944-76F55AD046E9}"/>
               </a:ext>
             </a:extLst>
           </p:cNvPr>
@@ -9889,7 +9889,7 @@
           <p:cNvPr id="18" name="Textfeld 17">
             <a:extLst>
               <a:ext uri="{FF2B5EF4-FFF2-40B4-BE49-F238E27FC236}">
-                <a16:creationId xmlns:a16="http://schemas.microsoft.com/office/drawing/2014/main" id="{6FF86DC7-2AA0-657D-27DF-73F2EA37A72C}"/>
+                <a16:creationId xmlns:a16="http://schemas.microsoft.com/office/drawing/2014/main" id="{AE984DB4-F84C-A76D-4DA7-6855D0C124E4}"/>
               </a:ext>
             </a:extLst>
           </p:cNvPr>
@@ -10012,7 +10012,7 @@
           <p:cNvPr id="21" name="Textfeld 20">
             <a:extLst>
               <a:ext uri="{FF2B5EF4-FFF2-40B4-BE49-F238E27FC236}">
-                <a16:creationId xmlns:a16="http://schemas.microsoft.com/office/drawing/2014/main" id="{719CA595-36FD-3B1D-582C-0CBA8829257E}"/>
+                <a16:creationId xmlns:a16="http://schemas.microsoft.com/office/drawing/2014/main" id="{FAFF0161-CF11-41AB-4120-B26D6977D4DF}"/>
               </a:ext>
             </a:extLst>
           </p:cNvPr>
@@ -10021,8 +10021,8 @@
         </p:nvSpPr>
         <p:spPr>
           <a:xfrm>
-            <a:off x="7582586" y="1839813"/>
-            <a:ext cx="2209113" cy="523220"/>
+            <a:off x="7466079" y="1840735"/>
+            <a:ext cx="3082859" cy="338554"/>
           </a:xfrm>
           <a:prstGeom prst="rect">
             <a:avLst/>
@@ -10031,7 +10031,7 @@
             <a:schemeClr val="tx1">
               <a:lumMod val="95000"/>
               <a:lumOff val="5000"/>
-              <a:alpha val="66000"/>
+              <a:alpha val="76000"/>
             </a:schemeClr>
           </a:solidFill>
         </p:spPr>
@@ -10042,7 +10042,7 @@
           <a:lstStyle/>
           <a:p>
             <a:r>
-              <a:rPr lang="en-US" sz="1400" dirty="0">
+              <a:rPr lang="en-US" sz="1600" dirty="0">
                 <a:solidFill>
                   <a:schemeClr val="bg1">
                     <a:lumMod val="95000"/>
@@ -10050,37 +10050,18 @@
                 </a:solidFill>
                 <a:latin typeface="Calibre Light"/>
               </a:rPr>
-              <a:t>Non-Linear Determination of</a:t>
-            </a:r>
-          </a:p>
-          <a:p>
-            <a:r>
-              <a:rPr lang="en-US" sz="1400" dirty="0">
+              <a:t>Non-Linear Determination of </a:t>
+            </a:r>
+            <a:r>
+              <a:rPr lang="en-US" sz="1600" dirty="0">
                 <a:solidFill>
                   <a:schemeClr val="bg1">
                     <a:lumMod val="95000"/>
                   </a:schemeClr>
                 </a:solidFill>
               </a:rPr>
-              <a:t>alpha </a:t>
-            </a:r>
-            <a:r>
-              <a:rPr lang="en-US" sz="1400" baseline="-10000" dirty="0">
-                <a:solidFill>
-                  <a:schemeClr val="bg1">
-                    <a:lumMod val="95000"/>
-                  </a:schemeClr>
-                </a:solidFill>
-              </a:rPr>
-              <a:t>camber</a:t>
-            </a:r>
-            <a:endParaRPr lang="en-US" sz="1400" dirty="0">
-              <a:solidFill>
-                <a:schemeClr val="bg1">
-                  <a:lumMod val="95000"/>
-                </a:schemeClr>
-              </a:solidFill>
-            </a:endParaRPr>
+              <a:t>alpha0 </a:t>
+            </a:r>
           </a:p>
         </p:txBody>
       </p:sp>
@@ -10089,7 +10070,7 @@
           <p:cNvPr id="26" name="Gerade Verbindung mit Pfeil 25">
             <a:extLst>
               <a:ext uri="{FF2B5EF4-FFF2-40B4-BE49-F238E27FC236}">
-                <a16:creationId xmlns:a16="http://schemas.microsoft.com/office/drawing/2014/main" id="{F90D5AD5-42C3-240A-1670-D5618CEEA4CD}"/>
+                <a16:creationId xmlns:a16="http://schemas.microsoft.com/office/drawing/2014/main" id="{4BA279A3-3966-98B0-7BA5-A5A8DD81C9B2}"/>
               </a:ext>
             </a:extLst>
           </p:cNvPr>
@@ -10135,7 +10116,7 @@
           <p:cNvPr id="27" name="Ellipse 26">
             <a:extLst>
               <a:ext uri="{FF2B5EF4-FFF2-40B4-BE49-F238E27FC236}">
-                <a16:creationId xmlns:a16="http://schemas.microsoft.com/office/drawing/2014/main" id="{A4447BBE-9682-164A-E180-1CB43566BE03}"/>
+                <a16:creationId xmlns:a16="http://schemas.microsoft.com/office/drawing/2014/main" id="{9211D91F-DC15-748E-DA79-C03259205226}"/>
               </a:ext>
             </a:extLst>
           </p:cNvPr>
@@ -10189,7 +10170,7 @@
           <p:cNvPr id="28" name="Textfeld 27">
             <a:extLst>
               <a:ext uri="{FF2B5EF4-FFF2-40B4-BE49-F238E27FC236}">
-                <a16:creationId xmlns:a16="http://schemas.microsoft.com/office/drawing/2014/main" id="{0DAFE060-0BB4-83EC-BBB1-3F2EDBCC27A3}"/>
+                <a16:creationId xmlns:a16="http://schemas.microsoft.com/office/drawing/2014/main" id="{4ACCF506-3F63-F21F-B959-614A80505F74}"/>
               </a:ext>
             </a:extLst>
           </p:cNvPr>
@@ -10256,7 +10237,7 @@
           <p:cNvPr id="29" name="Textfeld 28">
             <a:extLst>
               <a:ext uri="{FF2B5EF4-FFF2-40B4-BE49-F238E27FC236}">
-                <a16:creationId xmlns:a16="http://schemas.microsoft.com/office/drawing/2014/main" id="{7C7DEECA-DBAC-4808-3944-3655FAF363ED}"/>
+                <a16:creationId xmlns:a16="http://schemas.microsoft.com/office/drawing/2014/main" id="{5989E844-69FE-7E1A-AE47-1B65BC47D3FB}"/>
               </a:ext>
             </a:extLst>
           </p:cNvPr>
@@ -10333,7 +10314,7 @@
           <p:cNvPr id="30" name="Textfeld 29">
             <a:extLst>
               <a:ext uri="{FF2B5EF4-FFF2-40B4-BE49-F238E27FC236}">
-                <a16:creationId xmlns:a16="http://schemas.microsoft.com/office/drawing/2014/main" id="{C9CB2291-53C9-3604-1AC9-E820BE4BEAE5}"/>
+                <a16:creationId xmlns:a16="http://schemas.microsoft.com/office/drawing/2014/main" id="{C432B673-3C12-AE07-5B44-57DE31109B9E}"/>
               </a:ext>
             </a:extLst>
           </p:cNvPr>
@@ -10384,7 +10365,7 @@
           <p:cNvPr id="32" name="Ellipse 31">
             <a:extLst>
               <a:ext uri="{FF2B5EF4-FFF2-40B4-BE49-F238E27FC236}">
-                <a16:creationId xmlns:a16="http://schemas.microsoft.com/office/drawing/2014/main" id="{A095EBF2-D0B9-93F9-416D-A34D49E7E6FA}"/>
+                <a16:creationId xmlns:a16="http://schemas.microsoft.com/office/drawing/2014/main" id="{2393D86F-FFA0-289A-4651-BE19F53AAD99}"/>
               </a:ext>
             </a:extLst>
           </p:cNvPr>
@@ -10438,7 +10419,7 @@
           <p:cNvPr id="37" name="Gerader Verbinder 36">
             <a:extLst>
               <a:ext uri="{FF2B5EF4-FFF2-40B4-BE49-F238E27FC236}">
-                <a16:creationId xmlns:a16="http://schemas.microsoft.com/office/drawing/2014/main" id="{EF6CBA4A-E625-6DFA-D3CD-ADC9AD9FE27C}"/>
+                <a16:creationId xmlns:a16="http://schemas.microsoft.com/office/drawing/2014/main" id="{1F37DC2A-5954-72F1-4A2A-2B5EC7BCDA61}"/>
               </a:ext>
             </a:extLst>
           </p:cNvPr>
@@ -10484,7 +10465,7 @@
           <p:cNvPr id="42" name="Gerade Verbindung mit Pfeil 41">
             <a:extLst>
               <a:ext uri="{FF2B5EF4-FFF2-40B4-BE49-F238E27FC236}">
-                <a16:creationId xmlns:a16="http://schemas.microsoft.com/office/drawing/2014/main" id="{2A111E58-1335-C122-CFB1-1C5A6072140B}"/>
+                <a16:creationId xmlns:a16="http://schemas.microsoft.com/office/drawing/2014/main" id="{AC3466D9-827D-5203-F7AD-B9D1F71C9724}"/>
               </a:ext>
             </a:extLst>
           </p:cNvPr>
@@ -10528,7 +10509,7 @@
           <p:cNvPr id="45" name="Textfeld 44">
             <a:extLst>
               <a:ext uri="{FF2B5EF4-FFF2-40B4-BE49-F238E27FC236}">
-                <a16:creationId xmlns:a16="http://schemas.microsoft.com/office/drawing/2014/main" id="{365295A9-FC71-CEAC-E929-2E7150DAF7AC}"/>
+                <a16:creationId xmlns:a16="http://schemas.microsoft.com/office/drawing/2014/main" id="{7190B670-5221-A6F2-9629-F749BC3DA812}"/>
               </a:ext>
             </a:extLst>
           </p:cNvPr>
@@ -10569,19 +10550,11 @@
             <a:pPr algn="l"/>
             <a:r>
               <a:rPr lang="de-DE" dirty="0"/>
-              <a:t>New </a:t>
+              <a:t>New alpha0 </a:t>
             </a:r>
             <a:r>
               <a:rPr lang="de-DE" dirty="0" err="1"/>
-              <a:t>alpha</a:t>
-            </a:r>
-            <a:r>
-              <a:rPr lang="de-DE" dirty="0"/>
-              <a:t> </a:t>
-            </a:r>
-            <a:r>
-              <a:rPr lang="de-DE" sz="1200" baseline="-10000" dirty="0" err="1"/>
-              <a:t>camber</a:t>
+              <a:t>of</a:t>
             </a:r>
             <a:r>
               <a:rPr lang="de-DE" sz="1200" baseline="-10000" dirty="0"/>
@@ -10600,7 +10573,7 @@
           <p:cNvPr id="46" name="Textfeld 45">
             <a:extLst>
               <a:ext uri="{FF2B5EF4-FFF2-40B4-BE49-F238E27FC236}">
-                <a16:creationId xmlns:a16="http://schemas.microsoft.com/office/drawing/2014/main" id="{F88FD338-A9BF-25E1-A8AD-D48D17A79B8B}"/>
+                <a16:creationId xmlns:a16="http://schemas.microsoft.com/office/drawing/2014/main" id="{578C4201-BF71-7F55-A2D8-6EE0B98D4C22}"/>
               </a:ext>
             </a:extLst>
           </p:cNvPr>
@@ -10650,7 +10623,7 @@
           <p:cNvPr id="47" name="Textfeld 46">
             <a:extLst>
               <a:ext uri="{FF2B5EF4-FFF2-40B4-BE49-F238E27FC236}">
-                <a16:creationId xmlns:a16="http://schemas.microsoft.com/office/drawing/2014/main" id="{98B07B2B-13D8-56DA-3A00-1BD28E354F36}"/>
+                <a16:creationId xmlns:a16="http://schemas.microsoft.com/office/drawing/2014/main" id="{99808B31-0CA8-E751-205D-0A857A8F9F5C}"/>
               </a:ext>
             </a:extLst>
           </p:cNvPr>
@@ -10716,7 +10689,7 @@
     </p:spTree>
     <p:extLst>
       <p:ext uri="{BB962C8B-B14F-4D97-AF65-F5344CB8AC3E}">
-        <p14:creationId xmlns:p14="http://schemas.microsoft.com/office/powerpoint/2010/main" val="1953381386"/>
+        <p14:creationId xmlns:p14="http://schemas.microsoft.com/office/powerpoint/2010/main" val="39070573"/>
       </p:ext>
     </p:extLst>
   </p:cSld>
@@ -10849,7 +10822,7 @@
           <a:p>
             <a:fld id="{C5ADD0BC-2AAA-421B-84BE-3BE36C130C8A}" type="datetime1">
               <a:rPr lang="en-US" noProof="0" smtClean="0"/>
-              <a:t>2/17/2025</a:t>
+              <a:t>2/25/2025</a:t>
             </a:fld>
             <a:endParaRPr lang="en-US" noProof="0" dirty="0"/>
           </a:p>
@@ -11315,7 +11288,7 @@
                 <a:tabLst/>
                 <a:defRPr/>
               </a:pPr>
-              <a:t>2/17/2025</a:t>
+              <a:t>2/25/2025</a:t>
             </a:fld>
             <a:endParaRPr kumimoji="0" lang="en-US" sz="1000" b="0" i="0" u="none" strike="noStrike" kern="1200" cap="none" spc="0" normalizeH="0" baseline="0" noProof="0" dirty="0">
               <a:ln>
@@ -11570,7 +11543,7 @@
         <p:spPr>
           <a:xfrm>
             <a:off x="2676571" y="1428452"/>
-            <a:ext cx="5855769" cy="2369880"/>
+            <a:ext cx="5855769" cy="2000548"/>
           </a:xfrm>
           <a:prstGeom prst="rect">
             <a:avLst/>
@@ -11633,19 +11606,6 @@
             </a:r>
           </a:p>
           <a:p>
-            <a:pPr marL="285750" indent="-285750">
-              <a:spcBef>
-                <a:spcPts val="1200"/>
-              </a:spcBef>
-              <a:buFont typeface="Arial" panose="020B0604020202020204" pitchFamily="34" charset="0"/>
-              <a:buChar char="•"/>
-            </a:pPr>
-            <a:r>
-              <a:rPr lang="en-US" sz="1400" dirty="0"/>
-              <a:t>base for a more detailed documentation on GitHub and RC-Network</a:t>
-            </a:r>
-          </a:p>
-          <a:p>
             <a:pPr>
               <a:spcBef>
                 <a:spcPts val="1200"/>
@@ -11678,7 +11638,7 @@
           <a:p>
             <a:fld id="{0F4CDFF7-CC20-49C8-B69E-7C36FEB9665D}" type="datetime1">
               <a:rPr lang="en-US" noProof="0" smtClean="0"/>
-              <a:t>2/16/2025</a:t>
+              <a:t>2/25/2025</a:t>
             </a:fld>
             <a:endParaRPr lang="en-US" noProof="0" dirty="0"/>
           </a:p>
@@ -12420,7 +12380,7 @@
                 <a:tabLst/>
                 <a:defRPr/>
               </a:pPr>
-              <a:t>2/18/2025</a:t>
+              <a:t>2/25/2025</a:t>
             </a:fld>
             <a:endParaRPr kumimoji="0" lang="en-US" sz="1000" b="0" i="0" u="none" strike="noStrike" kern="1200" cap="none" spc="0" normalizeH="0" baseline="0" noProof="0" dirty="0">
               <a:ln>
@@ -13849,7 +13809,7 @@
                 <a:tabLst/>
                 <a:defRPr/>
               </a:pPr>
-              <a:t>2/18/2025</a:t>
+              <a:t>2/25/2025</a:t>
             </a:fld>
             <a:endParaRPr kumimoji="0" lang="en-US" sz="1000" b="0" i="0" u="none" strike="noStrike" kern="1200" cap="none" spc="0" normalizeH="0" baseline="0" noProof="0" dirty="0">
               <a:ln>
@@ -14665,7 +14625,7 @@
           <a:p>
             <a:fld id="{C5ADD0BC-2AAA-421B-84BE-3BE36C130C8A}" type="datetime1">
               <a:rPr lang="en-US" noProof="0" smtClean="0"/>
-              <a:t>2/17/2025</a:t>
+              <a:t>2/25/2025</a:t>
             </a:fld>
             <a:endParaRPr lang="en-US" noProof="0" dirty="0"/>
           </a:p>
@@ -14862,7 +14822,7 @@
                 <a:tabLst/>
                 <a:defRPr/>
               </a:pPr>
-              <a:t>2/18/2025</a:t>
+              <a:t>2/25/2025</a:t>
             </a:fld>
             <a:endParaRPr kumimoji="0" lang="en-US" sz="1000" b="0" i="0" u="none" strike="noStrike" kern="1200" cap="none" spc="0" normalizeH="0" baseline="0" noProof="0" dirty="0">
               <a:ln>
@@ -15336,7 +15296,7 @@
                 <a:tabLst/>
                 <a:defRPr/>
               </a:pPr>
-              <a:t>2/18/2025</a:t>
+              <a:t>2/25/2025</a:t>
             </a:fld>
             <a:endParaRPr kumimoji="0" lang="en-US" sz="1000" b="0" i="0" u="none" strike="noStrike" kern="1200" cap="none" spc="0" normalizeH="0" baseline="0" noProof="0" dirty="0">
               <a:ln>
@@ -15837,7 +15797,7 @@
                 <a:tabLst/>
                 <a:defRPr/>
               </a:pPr>
-              <a:t>2/18/2025</a:t>
+              <a:t>2/25/2025</a:t>
             </a:fld>
             <a:endParaRPr kumimoji="0" lang="en-US" sz="1000" b="0" i="0" u="none" strike="noStrike" kern="1200" cap="none" spc="0" normalizeH="0" baseline="0" noProof="0" dirty="0">
               <a:ln>
@@ -16296,7 +16256,7 @@
                 <a:tabLst/>
                 <a:defRPr/>
               </a:pPr>
-              <a:t>2/18/2025</a:t>
+              <a:t>2/25/2025</a:t>
             </a:fld>
             <a:endParaRPr kumimoji="0" lang="en-US" sz="1000" b="0" i="0" u="none" strike="noStrike" kern="1200" cap="none" spc="0" normalizeH="0" baseline="0" noProof="0" dirty="0">
               <a:ln>
@@ -16966,7 +16926,7 @@
                 <a:tabLst/>
                 <a:defRPr/>
               </a:pPr>
-              <a:t>2/18/2025</a:t>
+              <a:t>2/25/2025</a:t>
             </a:fld>
             <a:endParaRPr kumimoji="0" lang="en-US" sz="1000" b="0" i="0" u="none" strike="noStrike" kern="1200" cap="none" spc="0" normalizeH="0" baseline="0" noProof="0" dirty="0">
               <a:ln>
@@ -17672,7 +17632,7 @@
           <a:p>
             <a:fld id="{C5ADD0BC-2AAA-421B-84BE-3BE36C130C8A}" type="datetime1">
               <a:rPr lang="en-US" noProof="0" smtClean="0"/>
-              <a:t>2/18/2025</a:t>
+              <a:t>2/25/2025</a:t>
             </a:fld>
             <a:endParaRPr lang="en-US" noProof="0" dirty="0"/>
           </a:p>
@@ -17965,7 +17925,7 @@
           <a:p>
             <a:fld id="{0F4CDFF7-CC20-49C8-B69E-7C36FEB9665D}" type="datetime1">
               <a:rPr lang="en-US" noProof="0" smtClean="0"/>
-              <a:t>2/16/2025</a:t>
+              <a:t>2/25/2025</a:t>
             </a:fld>
             <a:endParaRPr lang="en-US" noProof="0" dirty="0"/>
           </a:p>
@@ -18221,7 +18181,7 @@
           <a:p>
             <a:fld id="{0F4CDFF7-CC20-49C8-B69E-7C36FEB9665D}" type="datetime1">
               <a:rPr lang="en-US" noProof="0" smtClean="0"/>
-              <a:t>2/16/2025</a:t>
+              <a:t>2/25/2025</a:t>
             </a:fld>
             <a:endParaRPr lang="en-US" noProof="0" dirty="0"/>
           </a:p>
@@ -18684,7 +18644,7 @@
           <a:p>
             <a:fld id="{0F4CDFF7-CC20-49C8-B69E-7C36FEB9665D}" type="datetime1">
               <a:rPr lang="en-US" noProof="0" smtClean="0"/>
-              <a:t>2/18/2025</a:t>
+              <a:t>2/25/2025</a:t>
             </a:fld>
             <a:endParaRPr lang="en-US" noProof="0" dirty="0"/>
           </a:p>
@@ -18968,7 +18928,7 @@
           <a:p>
             <a:fld id="{DD68DAAB-1F62-46D9-B0FC-D3ABBFC86C24}" type="datetime1">
               <a:rPr lang="de-DE" smtClean="0"/>
-              <a:t>16.02.2025</a:t>
+              <a:t>25.02.2025</a:t>
             </a:fld>
             <a:endParaRPr lang="de-DE"/>
           </a:p>
@@ -20929,7 +20889,7 @@
           <a:p>
             <a:fld id="{C5ADD0BC-2AAA-421B-84BE-3BE36C130C8A}" type="datetime1">
               <a:rPr lang="en-US" noProof="0" smtClean="0"/>
-              <a:t>2/16/2025</a:t>
+              <a:t>2/25/2025</a:t>
             </a:fld>
             <a:endParaRPr lang="en-US" noProof="0" dirty="0"/>
           </a:p>
@@ -21447,7 +21407,7 @@
                 <a:tabLst/>
                 <a:defRPr/>
               </a:pPr>
-              <a:t>2/16/2025</a:t>
+              <a:t>2/25/2025</a:t>
             </a:fld>
             <a:endParaRPr kumimoji="0" lang="en-US" sz="1000" b="0" i="0" u="none" strike="noStrike" kern="1200" cap="none" spc="0" normalizeH="0" baseline="0" noProof="0" dirty="0">
               <a:ln>
@@ -21799,7 +21759,7 @@
           <a:p>
             <a:fld id="{C5ADD0BC-2AAA-421B-84BE-3BE36C130C8A}" type="datetime1">
               <a:rPr lang="en-US" noProof="0" smtClean="0"/>
-              <a:t>2/16/2025</a:t>
+              <a:t>2/25/2025</a:t>
             </a:fld>
             <a:endParaRPr lang="en-US" noProof="0" dirty="0"/>
           </a:p>
